--- a/figures/quantitative.pptx
+++ b/figures/quantitative.pptx
@@ -192,7 +192,7 @@
           <a:p>
             <a:fld id="{04674FF2-2E47-4604-AA7E-4CED61213721}" type="datetimeFigureOut">
               <a:rPr kumimoji="1" lang="ja-JP" altLang="en-US" smtClean="0"/>
-              <a:t>2015/4/22</a:t>
+              <a:t>2015/9/26</a:t>
             </a:fld>
             <a:endParaRPr kumimoji="1" lang="ja-JP" altLang="en-US"/>
           </a:p>
@@ -762,7 +762,7 @@
           <a:p>
             <a:fld id="{E90ED720-0104-4369-84BC-D37694168613}" type="datetimeFigureOut">
               <a:rPr kumimoji="1" lang="ja-JP" altLang="en-US" smtClean="0"/>
-              <a:t>2015/4/22</a:t>
+              <a:t>2015/9/26</a:t>
             </a:fld>
             <a:endParaRPr kumimoji="1" lang="ja-JP" altLang="en-US"/>
           </a:p>
@@ -959,7 +959,7 @@
           <a:p>
             <a:fld id="{E90ED720-0104-4369-84BC-D37694168613}" type="datetimeFigureOut">
               <a:rPr kumimoji="1" lang="ja-JP" altLang="en-US" smtClean="0"/>
-              <a:t>2015/4/22</a:t>
+              <a:t>2015/9/26</a:t>
             </a:fld>
             <a:endParaRPr kumimoji="1" lang="ja-JP" altLang="en-US"/>
           </a:p>
@@ -1166,7 +1166,7 @@
           <a:p>
             <a:fld id="{E90ED720-0104-4369-84BC-D37694168613}" type="datetimeFigureOut">
               <a:rPr kumimoji="1" lang="ja-JP" altLang="en-US" smtClean="0"/>
-              <a:t>2015/4/22</a:t>
+              <a:t>2015/9/26</a:t>
             </a:fld>
             <a:endParaRPr kumimoji="1" lang="ja-JP" altLang="en-US"/>
           </a:p>
@@ -1363,7 +1363,7 @@
           <a:p>
             <a:fld id="{E90ED720-0104-4369-84BC-D37694168613}" type="datetimeFigureOut">
               <a:rPr kumimoji="1" lang="ja-JP" altLang="en-US" smtClean="0"/>
-              <a:t>2015/4/22</a:t>
+              <a:t>2015/9/26</a:t>
             </a:fld>
             <a:endParaRPr kumimoji="1" lang="ja-JP" altLang="en-US"/>
           </a:p>
@@ -1604,7 +1604,7 @@
           <a:p>
             <a:fld id="{E90ED720-0104-4369-84BC-D37694168613}" type="datetimeFigureOut">
               <a:rPr kumimoji="1" lang="ja-JP" altLang="en-US" smtClean="0"/>
-              <a:t>2015/4/22</a:t>
+              <a:t>2015/9/26</a:t>
             </a:fld>
             <a:endParaRPr kumimoji="1" lang="ja-JP" altLang="en-US"/>
           </a:p>
@@ -1951,7 +1951,7 @@
           <a:p>
             <a:fld id="{E90ED720-0104-4369-84BC-D37694168613}" type="datetimeFigureOut">
               <a:rPr kumimoji="1" lang="ja-JP" altLang="en-US" smtClean="0"/>
-              <a:t>2015/4/22</a:t>
+              <a:t>2015/9/26</a:t>
             </a:fld>
             <a:endParaRPr kumimoji="1" lang="ja-JP" altLang="en-US"/>
           </a:p>
@@ -2432,7 +2432,7 @@
           <a:p>
             <a:fld id="{E90ED720-0104-4369-84BC-D37694168613}" type="datetimeFigureOut">
               <a:rPr kumimoji="1" lang="ja-JP" altLang="en-US" smtClean="0"/>
-              <a:t>2015/4/22</a:t>
+              <a:t>2015/9/26</a:t>
             </a:fld>
             <a:endParaRPr kumimoji="1" lang="ja-JP" altLang="en-US"/>
           </a:p>
@@ -2545,7 +2545,7 @@
           <a:p>
             <a:fld id="{E90ED720-0104-4369-84BC-D37694168613}" type="datetimeFigureOut">
               <a:rPr kumimoji="1" lang="ja-JP" altLang="en-US" smtClean="0"/>
-              <a:t>2015/4/22</a:t>
+              <a:t>2015/9/26</a:t>
             </a:fld>
             <a:endParaRPr kumimoji="1" lang="ja-JP" altLang="en-US"/>
           </a:p>
@@ -2635,7 +2635,7 @@
           <a:p>
             <a:fld id="{E90ED720-0104-4369-84BC-D37694168613}" type="datetimeFigureOut">
               <a:rPr kumimoji="1" lang="ja-JP" altLang="en-US" smtClean="0"/>
-              <a:t>2015/4/22</a:t>
+              <a:t>2015/9/26</a:t>
             </a:fld>
             <a:endParaRPr kumimoji="1" lang="ja-JP" altLang="en-US"/>
           </a:p>
@@ -2939,7 +2939,7 @@
           <a:p>
             <a:fld id="{E90ED720-0104-4369-84BC-D37694168613}" type="datetimeFigureOut">
               <a:rPr kumimoji="1" lang="ja-JP" altLang="en-US" smtClean="0"/>
-              <a:t>2015/4/22</a:t>
+              <a:t>2015/9/26</a:t>
             </a:fld>
             <a:endParaRPr kumimoji="1" lang="ja-JP" altLang="en-US"/>
           </a:p>
@@ -3187,7 +3187,7 @@
           <a:p>
             <a:fld id="{E90ED720-0104-4369-84BC-D37694168613}" type="datetimeFigureOut">
               <a:rPr kumimoji="1" lang="ja-JP" altLang="en-US" smtClean="0"/>
-              <a:t>2015/4/22</a:t>
+              <a:t>2015/9/26</a:t>
             </a:fld>
             <a:endParaRPr kumimoji="1" lang="ja-JP" altLang="en-US"/>
           </a:p>
@@ -3427,7 +3427,7 @@
           <a:p>
             <a:fld id="{E90ED720-0104-4369-84BC-D37694168613}" type="datetimeFigureOut">
               <a:rPr kumimoji="1" lang="ja-JP" altLang="en-US" smtClean="0"/>
-              <a:t>2015/4/22</a:t>
+              <a:t>2015/9/26</a:t>
             </a:fld>
             <a:endParaRPr kumimoji="1" lang="ja-JP" altLang="en-US"/>
           </a:p>
@@ -3806,7 +3806,7 @@
           <p:nvPr>
             <p:extLst>
               <p:ext uri="{D42A27DB-BD31-4B8C-83A1-F6EECF244321}">
-                <p14:modId xmlns:p14="http://schemas.microsoft.com/office/powerpoint/2010/main" val="3618096613"/>
+                <p14:modId xmlns:p14="http://schemas.microsoft.com/office/powerpoint/2010/main" val="3938536411"/>
               </p:ext>
             </p:extLst>
           </p:nvPr>
@@ -4049,14 +4049,6 @@
                         </a:rPr>
                         <a:t>Poisson </a:t>
                       </a:r>
-                      <a:r>
-                        <a:rPr lang="en-US" sz="2400" u="none" strike="noStrike" dirty="0" smtClean="0">
-                          <a:effectLst/>
-                          <a:latin typeface="Times New Roman" panose="02020603050405020304" pitchFamily="18" charset="0"/>
-                          <a:cs typeface="Times New Roman" panose="02020603050405020304" pitchFamily="18" charset="0"/>
-                        </a:rPr>
-                        <a:t/>
-                      </a:r>
                       <a:br>
                         <a:rPr lang="en-US" sz="2400" u="none" strike="noStrike" dirty="0" smtClean="0">
                           <a:effectLst/>
@@ -4178,12 +4170,12 @@
                     <a:p>
                       <a:pPr algn="ctr" fontAlgn="ctr"/>
                       <a:r>
-                        <a:rPr lang="en-US" sz="2400" u="none" strike="noStrike" dirty="0" err="1" smtClean="0">
-                          <a:effectLst/>
-                          <a:latin typeface="Times New Roman" panose="02020603050405020304" pitchFamily="18" charset="0"/>
-                          <a:cs typeface="Times New Roman" panose="02020603050405020304" pitchFamily="18" charset="0"/>
-                        </a:rPr>
-                        <a:t>Vgcts</a:t>
+                        <a:rPr lang="en-US" sz="2400" u="none" strike="noStrike" smtClean="0">
+                          <a:effectLst/>
+                          <a:latin typeface="Times New Roman" panose="02020603050405020304" pitchFamily="18" charset="0"/>
+                          <a:cs typeface="Times New Roman" panose="02020603050405020304" pitchFamily="18" charset="0"/>
+                        </a:rPr>
+                        <a:t>Vgcuts</a:t>
                       </a:r>
                       <a:r>
                         <a:rPr lang="en-US" sz="2400" u="none" strike="noStrike" dirty="0" smtClean="0">

--- a/figures/quantitative.pptx
+++ b/figures/quantitative.pptx
@@ -4170,7 +4170,7 @@
                     <a:p>
                       <a:pPr algn="ctr" fontAlgn="ctr"/>
                       <a:r>
-                        <a:rPr lang="en-US" sz="2400" u="none" strike="noStrike" smtClean="0">
+                        <a:rPr lang="en-US" sz="2400" u="none" strike="noStrike" dirty="0" err="1" smtClean="0">
                           <a:effectLst/>
                           <a:latin typeface="Times New Roman" panose="02020603050405020304" pitchFamily="18" charset="0"/>
                           <a:cs typeface="Times New Roman" panose="02020603050405020304" pitchFamily="18" charset="0"/>
